--- a/TCGD/TC-OnbruikbareCameras.pptx
+++ b/TCGD/TC-OnbruikbareCameras.pptx
@@ -12,8 +12,8 @@
     <p:sldId id="257" r:id="rId9"/>
     <p:sldId id="258" r:id="rId10"/>
     <p:sldId id="259" r:id="rId11"/>
-    <p:sldId id="260" r:id="rId12"/>
-    <p:sldId id="261" r:id="rId13"/>
+    <p:sldId id="260" r:id="rId13"/>
+    <p:sldId id="261" r:id="rId14"/>
   </p:sldIdLst>
   <p:sldSz cx="13004800" cy="9753600"/>
   <p:notesSz cx="6858000" cy="9144000"/>
@@ -319,7 +319,23 @@
 </file>
 
 <file path=ppt/commentAuthors.xml><?xml version="1.0" encoding="utf-8"?>
-<p:cmAuthorLst xmlns:a="http://schemas.openxmlformats.org/drawingml/2006/main" xmlns:r="http://schemas.openxmlformats.org/officeDocument/2006/relationships" xmlns:p="http://schemas.openxmlformats.org/presentationml/2006/main" xmlns:m="http://schemas.openxmlformats.org/officeDocument/2006/math" xmlns:a14="http://schemas.microsoft.com/office/drawing/2010/main"/>
+<p:cmAuthorLst xmlns:a="http://schemas.openxmlformats.org/drawingml/2006/main" xmlns:r="http://schemas.openxmlformats.org/officeDocument/2006/relationships" xmlns:p="http://schemas.openxmlformats.org/presentationml/2006/main" xmlns:m="http://schemas.openxmlformats.org/officeDocument/2006/math" xmlns:a14="http://schemas.microsoft.com/office/drawing/2010/main">
+  <p:cmAuthor id="0" name="Robbe Degrève" initials="RD" lastIdx="1" clrIdx="0"/>
+</p:cmAuthorLst>
+</file>
+
+<file path=ppt/comments/comment1.xml><?xml version="1.0" encoding="utf-8"?>
+<p:cmLst xmlns:a="http://schemas.openxmlformats.org/drawingml/2006/main" xmlns:r="http://schemas.openxmlformats.org/officeDocument/2006/relationships" xmlns:p="http://schemas.openxmlformats.org/presentationml/2006/main" xmlns:m="http://schemas.openxmlformats.org/officeDocument/2006/math" xmlns:a14="http://schemas.microsoft.com/office/drawing/2010/main">
+  <p:cm authorId="0" dt="2018-10-22T14:36:51.076" idx="1">
+    <p:pos x="4944" y="2776"/>
+    <p:text>Klein aantal spelers; Duurt te lang om iemand te vinden =&gt; alternatief</p:text>
+    <p:extLst>
+      <p:ext uri="{C676402C-5697-4E1C-873F-D02D1690AC5C}">
+        <p15:threadingInfo xmlns:p15="http://schemas.microsoft.com/office/powerpoint/2012/main" timeZoneBias="-120"/>
+      </p:ext>
+    </p:extLst>
+  </p:cm>
+</p:cmLst>
 </file>
 
 <file path=ppt/notesMasters/notesMaster1.xml><?xml version="1.0" encoding="utf-8"?>
@@ -6578,6 +6594,10 @@
           </p:nvPr>
         </p:nvSpPr>
         <p:spPr>
+          <a:xfrm>
+            <a:off x="406400" y="2743200"/>
+            <a:ext cx="12192000" cy="5721152"/>
+          </a:xfrm>
           <a:prstGeom prst="rect">
             <a:avLst/>
           </a:prstGeom>
@@ -6586,51 +6606,69 @@
           <a:bodyPr/>
           <a:lstStyle/>
           <a:p>
-            <a:pPr marL="444499" indent="-444499">
-              <a:defRPr sz="4000"/>
+            <a:pPr marL="413384" indent="-413384" defTabSz="543305">
+              <a:spcBef>
+                <a:spcPts val="2600"/>
+              </a:spcBef>
+              <a:defRPr sz="3720"/>
             </a:pPr>
             <a:r>
               <a:t>Speler wilt zonder camera spelen</a:t>
             </a:r>
           </a:p>
           <a:p>
-            <a:pPr marL="444499" indent="-444499">
-              <a:defRPr sz="4000"/>
+            <a:pPr marL="413384" indent="-413384" defTabSz="543305">
+              <a:spcBef>
+                <a:spcPts val="2600"/>
+              </a:spcBef>
+              <a:defRPr sz="3720"/>
             </a:pPr>
             <a:r>
               <a:t>Niemand uitsluiten</a:t>
             </a:r>
           </a:p>
           <a:p>
-            <a:pPr marL="444499" indent="-444499">
-              <a:defRPr sz="4000"/>
+            <a:pPr marL="413384" indent="-413384" defTabSz="543305">
+              <a:spcBef>
+                <a:spcPts val="2600"/>
+              </a:spcBef>
+              <a:defRPr sz="3720"/>
             </a:pPr>
             <a:r>
               <a:t>Klein aantal spelers</a:t>
             </a:r>
           </a:p>
           <a:p>
-            <a:pPr marL="444499" indent="-444499">
-              <a:defRPr sz="4000"/>
+            <a:pPr marL="413384" indent="-413384" defTabSz="543305">
+              <a:spcBef>
+                <a:spcPts val="2600"/>
+              </a:spcBef>
+              <a:defRPr sz="3720"/>
             </a:pPr>
             <a:r>
               <a:t>Alleen bij Events/Hotspots </a:t>
             </a:r>
           </a:p>
           <a:p>
-            <a:pPr lvl="1">
-              <a:defRPr sz="4000"/>
+            <a:pPr lvl="1" marL="826769" indent="-413384" defTabSz="543305">
+              <a:spcBef>
+                <a:spcPts val="2600"/>
+              </a:spcBef>
+              <a:defRPr sz="3720"/>
             </a:pPr>
             <a:r>
               <a:t>Bescherming van privacy</a:t>
             </a:r>
           </a:p>
           <a:p>
-            <a:pPr marL="444499" indent="-444499">
-              <a:defRPr sz="4000"/>
+            <a:pPr lvl="1" marL="826769" indent="-413384" defTabSz="543305">
+              <a:spcBef>
+                <a:spcPts val="2600"/>
+              </a:spcBef>
+              <a:defRPr sz="3720"/>
             </a:pPr>
             <a:r>
-              <a:t>Actiever spel</a:t>
+              <a:t>Extra reden!</a:t>
             </a:r>
           </a:p>
         </p:txBody>
@@ -6935,6 +6973,193 @@
                 <a:sym typeface="DIN Condensed"/>
               </a:defRPr>
             </a:pPr>
+          </a:p>
+        </p:txBody>
+      </p:sp>
+      <p:sp>
+        <p:nvSpPr>
+          <p:cNvPr id="185" name="Arrow 11"/>
+          <p:cNvSpPr/>
+          <p:nvPr/>
+        </p:nvSpPr>
+        <p:spPr>
+          <a:xfrm>
+            <a:off x="7421808" y="7491538"/>
+            <a:ext cx="1420790" cy="1069724"/>
+          </a:xfrm>
+          <a:custGeom>
+            <a:avLst/>
+            <a:gdLst/>
+            <a:ahLst/>
+            <a:cxnLst>
+              <a:cxn ang="0">
+                <a:pos x="wd2" y="hd2"/>
+              </a:cxn>
+              <a:cxn ang="5400000">
+                <a:pos x="wd2" y="hd2"/>
+              </a:cxn>
+              <a:cxn ang="10800000">
+                <a:pos x="wd2" y="hd2"/>
+              </a:cxn>
+              <a:cxn ang="16200000">
+                <a:pos x="wd2" y="hd2"/>
+              </a:cxn>
+            </a:cxnLst>
+            <a:rect l="0" t="0" r="r" b="b"/>
+            <a:pathLst>
+              <a:path w="21600" h="21600" fill="norm" stroke="1" extrusionOk="0">
+                <a:moveTo>
+                  <a:pt x="13469" y="0"/>
+                </a:moveTo>
+                <a:cubicBezTo>
+                  <a:pt x="13010" y="0"/>
+                  <a:pt x="12551" y="232"/>
+                  <a:pt x="12200" y="697"/>
+                </a:cubicBezTo>
+                <a:cubicBezTo>
+                  <a:pt x="11500" y="1626"/>
+                  <a:pt x="11500" y="3135"/>
+                  <a:pt x="12200" y="4065"/>
+                </a:cubicBezTo>
+                <a:lnTo>
+                  <a:pt x="15479" y="8419"/>
+                </a:lnTo>
+                <a:lnTo>
+                  <a:pt x="1793" y="8419"/>
+                </a:lnTo>
+                <a:cubicBezTo>
+                  <a:pt x="802" y="8419"/>
+                  <a:pt x="0" y="9485"/>
+                  <a:pt x="0" y="10800"/>
+                </a:cubicBezTo>
+                <a:cubicBezTo>
+                  <a:pt x="0" y="12115"/>
+                  <a:pt x="802" y="13181"/>
+                  <a:pt x="1793" y="13181"/>
+                </a:cubicBezTo>
+                <a:lnTo>
+                  <a:pt x="15479" y="13181"/>
+                </a:lnTo>
+                <a:lnTo>
+                  <a:pt x="12200" y="17535"/>
+                </a:lnTo>
+                <a:cubicBezTo>
+                  <a:pt x="11500" y="18465"/>
+                  <a:pt x="11500" y="19974"/>
+                  <a:pt x="12200" y="20903"/>
+                </a:cubicBezTo>
+                <a:cubicBezTo>
+                  <a:pt x="12551" y="21368"/>
+                  <a:pt x="13010" y="21600"/>
+                  <a:pt x="13469" y="21600"/>
+                </a:cubicBezTo>
+                <a:cubicBezTo>
+                  <a:pt x="13927" y="21600"/>
+                  <a:pt x="14387" y="21368"/>
+                  <a:pt x="14737" y="20903"/>
+                </a:cubicBezTo>
+                <a:lnTo>
+                  <a:pt x="21074" y="12484"/>
+                </a:lnTo>
+                <a:cubicBezTo>
+                  <a:pt x="21424" y="12019"/>
+                  <a:pt x="21600" y="11409"/>
+                  <a:pt x="21600" y="10800"/>
+                </a:cubicBezTo>
+                <a:cubicBezTo>
+                  <a:pt x="21600" y="10191"/>
+                  <a:pt x="21424" y="9581"/>
+                  <a:pt x="21074" y="9116"/>
+                </a:cubicBezTo>
+                <a:lnTo>
+                  <a:pt x="14737" y="697"/>
+                </a:lnTo>
+                <a:cubicBezTo>
+                  <a:pt x="14387" y="232"/>
+                  <a:pt x="13927" y="0"/>
+                  <a:pt x="13469" y="0"/>
+                </a:cubicBezTo>
+                <a:close/>
+              </a:path>
+            </a:pathLst>
+          </a:custGeom>
+          <a:solidFill>
+            <a:schemeClr val="accent1"/>
+          </a:solidFill>
+          <a:ln w="12700">
+            <a:miter lim="400000"/>
+          </a:ln>
+        </p:spPr>
+        <p:txBody>
+          <a:bodyPr lIns="50800" tIns="50800" rIns="50800" bIns="50800" anchor="ctr"/>
+          <a:lstStyle/>
+          <a:p>
+            <a:pPr algn="ctr">
+              <a:lnSpc>
+                <a:spcPct val="80000"/>
+              </a:lnSpc>
+              <a:spcBef>
+                <a:spcPts val="0"/>
+              </a:spcBef>
+              <a:defRPr cap="all" sz="2800">
+                <a:solidFill>
+                  <a:srgbClr val="FFFFFF"/>
+                </a:solidFill>
+                <a:latin typeface="+mn-lt"/>
+                <a:ea typeface="+mn-ea"/>
+                <a:cs typeface="+mn-cs"/>
+                <a:sym typeface="DIN Condensed"/>
+              </a:defRPr>
+            </a:pPr>
+          </a:p>
+        </p:txBody>
+      </p:sp>
+      <p:sp>
+        <p:nvSpPr>
+          <p:cNvPr id="186" name="Actiever spel"/>
+          <p:cNvSpPr txBox="1"/>
+          <p:nvPr/>
+        </p:nvSpPr>
+        <p:spPr>
+          <a:xfrm>
+            <a:off x="9039098" y="7626349"/>
+            <a:ext cx="3328924" cy="800101"/>
+          </a:xfrm>
+          <a:prstGeom prst="rect">
+            <a:avLst/>
+          </a:prstGeom>
+          <a:ln w="12700">
+            <a:miter lim="400000"/>
+          </a:ln>
+          <a:extLst>
+            <a:ext uri="{C572A759-6A51-4108-AA02-DFA0A04FC94B}">
+              <ma14:wrappingTextBoxFlag xmlns:ma14="http://schemas.microsoft.com/office/mac/drawingml/2011/main" val="1"/>
+            </a:ext>
+          </a:extLst>
+        </p:spPr>
+        <p:txBody>
+          <a:bodyPr wrap="none" lIns="50800" tIns="50800" rIns="50800" bIns="50800" anchor="ctr">
+            <a:spAutoFit/>
+          </a:bodyPr>
+          <a:lstStyle/>
+          <a:p>
+            <a:pPr lvl="2">
+              <a:spcBef>
+                <a:spcPts val="2800"/>
+              </a:spcBef>
+              <a:defRPr b="1" sz="4000">
+                <a:solidFill>
+                  <a:srgbClr val="FFFFFF"/>
+                </a:solidFill>
+                <a:latin typeface="Avenir Next"/>
+                <a:ea typeface="Avenir Next"/>
+                <a:cs typeface="Avenir Next"/>
+                <a:sym typeface="Avenir Next"/>
+              </a:defRPr>
+            </a:pPr>
+            <a:r>
+              <a:t>Actiever spel</a:t>
+            </a:r>
           </a:p>
         </p:txBody>
       </p:sp>
@@ -7217,23 +7442,14 @@
                             </p:childTnLst>
                           </p:cTn>
                         </p:par>
-                      </p:childTnLst>
-                    </p:cTn>
-                  </p:par>
-                  <p:par>
-                    <p:cTn id="25" fill="hold">
-                      <p:stCondLst>
-                        <p:cond delay="indefinite"/>
-                      </p:stCondLst>
-                      <p:childTnLst>
                         <p:par>
-                          <p:cTn id="26" fill="hold">
+                          <p:cTn id="25" fill="hold">
                             <p:stCondLst>
                               <p:cond delay="0"/>
                             </p:stCondLst>
                             <p:childTnLst>
                               <p:par>
-                                <p:cTn id="27" presetClass="entr" nodeType="clickEffect" presetSubtype="0" presetID="1" grpId="1" fill="hold">
+                                <p:cTn id="26" presetClass="entr" nodeType="afterEffect" presetSubtype="0" presetID="1" grpId="1" fill="hold">
                                   <p:stCondLst>
                                     <p:cond delay="0"/>
                                   </p:stCondLst>
@@ -7243,13 +7459,92 @@
                                   <p:childTnLst>
                                     <p:set>
                                       <p:cBhvr>
-                                        <p:cTn id="28" fill="hold"/>
+                                        <p:cTn id="27" fill="hold"/>
                                         <p:tgtEl>
                                           <p:spTgt spid="182">
                                             <p:txEl>
                                               <p:pRg st="5" end="5"/>
                                             </p:txEl>
                                           </p:spTgt>
+                                        </p:tgtEl>
+                                        <p:attrNameLst>
+                                          <p:attrName>style.visibility</p:attrName>
+                                        </p:attrNameLst>
+                                      </p:cBhvr>
+                                      <p:to>
+                                        <p:strVal val="visible"/>
+                                      </p:to>
+                                    </p:set>
+                                  </p:childTnLst>
+                                </p:cTn>
+                              </p:par>
+                            </p:childTnLst>
+                          </p:cTn>
+                        </p:par>
+                      </p:childTnLst>
+                    </p:cTn>
+                  </p:par>
+                  <p:par>
+                    <p:cTn id="28" fill="hold">
+                      <p:stCondLst>
+                        <p:cond delay="indefinite"/>
+                      </p:stCondLst>
+                      <p:childTnLst>
+                        <p:par>
+                          <p:cTn id="29" fill="hold">
+                            <p:stCondLst>
+                              <p:cond delay="0"/>
+                            </p:stCondLst>
+                            <p:childTnLst>
+                              <p:par>
+                                <p:cTn id="30" presetClass="entr" nodeType="clickEffect" presetSubtype="0" presetID="1" grpId="2" fill="hold">
+                                  <p:stCondLst>
+                                    <p:cond delay="0"/>
+                                  </p:stCondLst>
+                                  <p:iterate type="el" backwards="0">
+                                    <p:tmAbs val="0"/>
+                                  </p:iterate>
+                                  <p:childTnLst>
+                                    <p:set>
+                                      <p:cBhvr>
+                                        <p:cTn id="31" fill="hold"/>
+                                        <p:tgtEl>
+                                          <p:spTgt spid="185"/>
+                                        </p:tgtEl>
+                                        <p:attrNameLst>
+                                          <p:attrName>style.visibility</p:attrName>
+                                        </p:attrNameLst>
+                                      </p:cBhvr>
+                                      <p:to>
+                                        <p:strVal val="visible"/>
+                                      </p:to>
+                                    </p:set>
+                                  </p:childTnLst>
+                                </p:cTn>
+                              </p:par>
+                            </p:childTnLst>
+                          </p:cTn>
+                        </p:par>
+                        <p:par>
+                          <p:cTn id="32" fill="hold">
+                            <p:stCondLst>
+                              <p:cond delay="0"/>
+                            </p:stCondLst>
+                            <p:childTnLst>
+                              <p:par>
+                                <p:cTn id="33" presetClass="entr" nodeType="afterEffect" presetSubtype="0" presetID="1" grpId="3" fill="hold">
+                                  <p:stCondLst>
+                                    <p:cond delay="0"/>
+                                  </p:stCondLst>
+                                  <p:iterate type="el" backwards="0">
+                                    <p:tmAbs val="0"/>
+                                  </p:iterate>
+                                  <p:childTnLst>
+                                    <p:set>
+                                      <p:cBhvr>
+                                        <p:cTn id="34" fill="hold"/>
+                                        <p:tgtEl>
+                                          <p:spTgt spid="186"/>
                                         </p:tgtEl>
                                         <p:attrNameLst>
                                           <p:attrName>style.visibility</p:attrName>
@@ -7291,6 +7586,8 @@
     </p:tnLst>
     <p:bldLst>
       <p:bldP build="p" bldLvl="5" animBg="1" rev="0" advAuto="0" spid="182" grpId="1"/>
+      <p:bldP build="whole" bldLvl="1" animBg="1" rev="0" advAuto="0" spid="186" grpId="3"/>
+      <p:bldP build="whole" bldLvl="1" animBg="1" rev="0" advAuto="0" spid="185" grpId="2"/>
     </p:bldLst>
   </p:timing>
 </p:sld>
@@ -7315,7 +7612,7 @@
       </p:grpSpPr>
       <p:sp>
         <p:nvSpPr>
-          <p:cNvPr id="186" name="Hoe zonder camera spelen"/>
+          <p:cNvPr id="188" name="Hoe zonder camera spelen"/>
           <p:cNvSpPr txBox="1"/>
           <p:nvPr>
             <p:ph type="title"/>
@@ -7346,7 +7643,7 @@
       </p:sp>
       <p:sp>
         <p:nvSpPr>
-          <p:cNvPr id="187" name="NPC Spawn…"/>
+          <p:cNvPr id="189" name="NPC Spawn…"/>
           <p:cNvSpPr txBox="1"/>
           <p:nvPr>
             <p:ph type="body" idx="1"/>
@@ -7460,7 +7757,7 @@
       </p:sp>
       <p:sp>
         <p:nvSpPr>
-          <p:cNvPr id="188" name="Camera"/>
+          <p:cNvPr id="190" name="Camera"/>
           <p:cNvSpPr/>
           <p:nvPr/>
         </p:nvSpPr>
@@ -7721,7 +8018,7 @@
       </p:sp>
       <p:sp>
         <p:nvSpPr>
-          <p:cNvPr id="189" name="Line"/>
+          <p:cNvPr id="191" name="Line"/>
           <p:cNvSpPr/>
           <p:nvPr/>
         </p:nvSpPr>
@@ -7800,7 +8097,7 @@
                                       <p:cBhvr>
                                         <p:cTn id="6" fill="hold"/>
                                         <p:tgtEl>
-                                          <p:spTgt spid="187">
+                                          <p:spTgt spid="189">
                                             <p:bg/>
                                           </p:spTgt>
                                         </p:tgtEl>
@@ -7828,7 +8125,7 @@
                                       <p:cBhvr>
                                         <p:cTn id="8" fill="hold"/>
                                         <p:tgtEl>
-                                          <p:spTgt spid="187">
+                                          <p:spTgt spid="189">
                                             <p:txEl>
                                               <p:pRg st="0" end="0"/>
                                             </p:txEl>
@@ -7858,7 +8155,7 @@
                                       <p:cBhvr>
                                         <p:cTn id="10" fill="hold"/>
                                         <p:tgtEl>
-                                          <p:spTgt spid="187">
+                                          <p:spTgt spid="189">
                                             <p:txEl>
                                               <p:pRg st="1" end="1"/>
                                             </p:txEl>
@@ -7888,7 +8185,7 @@
                                       <p:cBhvr>
                                         <p:cTn id="12" fill="hold"/>
                                         <p:tgtEl>
-                                          <p:spTgt spid="187">
+                                          <p:spTgt spid="189">
                                             <p:txEl>
                                               <p:pRg st="2" end="2"/>
                                             </p:txEl>
@@ -7936,7 +8233,7 @@
                                       <p:cBhvr>
                                         <p:cTn id="16" fill="hold"/>
                                         <p:tgtEl>
-                                          <p:spTgt spid="187">
+                                          <p:spTgt spid="189">
                                             <p:txEl>
                                               <p:pRg st="3" end="3"/>
                                             </p:txEl>
@@ -7984,7 +8281,7 @@
                                       <p:cBhvr>
                                         <p:cTn id="20" fill="hold"/>
                                         <p:tgtEl>
-                                          <p:spTgt spid="187">
+                                          <p:spTgt spid="189">
                                             <p:txEl>
                                               <p:pRg st="4" end="4"/>
                                             </p:txEl>
@@ -8032,7 +8329,7 @@
                                       <p:cBhvr>
                                         <p:cTn id="24" fill="hold"/>
                                         <p:tgtEl>
-                                          <p:spTgt spid="187">
+                                          <p:spTgt spid="189">
                                             <p:txEl>
                                               <p:pRg st="5" end="5"/>
                                             </p:txEl>
@@ -8062,7 +8359,7 @@
                                       <p:cBhvr>
                                         <p:cTn id="26" fill="hold"/>
                                         <p:tgtEl>
-                                          <p:spTgt spid="187">
+                                          <p:spTgt spid="189">
                                             <p:txEl>
                                               <p:pRg st="6" end="6"/>
                                             </p:txEl>
@@ -8107,7 +8404,7 @@
       </p:par>
     </p:tnLst>
     <p:bldLst>
-      <p:bldP build="p" bldLvl="1" animBg="1" rev="0" advAuto="0" spid="187" grpId="1"/>
+      <p:bldP build="p" bldLvl="1" animBg="1" rev="0" advAuto="0" spid="189" grpId="1"/>
     </p:bldLst>
   </p:timing>
 </p:sld>
@@ -8132,7 +8429,7 @@
       </p:grpSpPr>
       <p:sp>
         <p:nvSpPr>
-          <p:cNvPr id="191" name="Q&amp;a"/>
+          <p:cNvPr id="193" name="Q&amp;a"/>
           <p:cNvSpPr txBox="1"/>
           <p:nvPr>
             <p:ph type="title"/>
@@ -8162,7 +8459,7 @@
       </p:sp>
       <p:sp>
         <p:nvSpPr>
-          <p:cNvPr id="192" name="Camera"/>
+          <p:cNvPr id="194" name="Camera"/>
           <p:cNvSpPr/>
           <p:nvPr/>
         </p:nvSpPr>
@@ -8423,7 +8720,7 @@
       </p:sp>
       <p:sp>
         <p:nvSpPr>
-          <p:cNvPr id="193" name="Line"/>
+          <p:cNvPr id="195" name="Line"/>
           <p:cNvSpPr/>
           <p:nvPr/>
         </p:nvSpPr>
